--- a/IT8/Caesar Ciphers Powerpoint.pptx
+++ b/IT8/Caesar Ciphers Powerpoint.pptx
@@ -149,18 +149,9 @@
 </p:cmAuthorLst>
 </file>
 
-<file path=ppt/revisionInfo.xml><?xml version="1.0" encoding="utf-8"?>
-<p1510:revInfo xmlns:a="http://schemas.openxmlformats.org/drawingml/2006/main" xmlns:r="http://schemas.openxmlformats.org/officeDocument/2006/relationships" xmlns:p1510="http://schemas.microsoft.com/office/powerpoint/2015/10/main"/>
-</file>
-
 <file path=ppt/slideLayouts/slideLayout1.xml><?xml version="1.0" encoding="utf-8"?>
 <p:sldLayout xmlns:a="http://schemas.openxmlformats.org/drawingml/2006/main" xmlns:r="http://schemas.openxmlformats.org/officeDocument/2006/relationships" xmlns:p="http://schemas.openxmlformats.org/presentationml/2006/main" showMasterSp="0" type="title" preserve="1">
   <p:cSld name="Title Slide">
-    <p:bg>
-      <p:bgRef idx="1002">
-        <a:schemeClr val="bg2"/>
-      </p:bgRef>
-    </p:bg>
     <p:spTree>
       <p:nvGrpSpPr>
         <p:cNvPr id="1" name=""/>
@@ -397,7 +388,7 @@
           <a:p>
             <a:fld id="{D27BA6A1-96CB-4166-833F-B39C600C0A9F}" type="datetimeFigureOut">
               <a:rPr lang="en-US" smtClean="0"/>
-              <a:t>5/15/2017</a:t>
+              <a:t>5/27/2018</a:t>
             </a:fld>
             <a:endParaRPr lang="en-US"/>
           </a:p>
@@ -506,7 +497,7 @@
 </file>
 
 <file path=ppt/slideLayouts/slideLayout10.xml><?xml version="1.0" encoding="utf-8"?>
-<p:sldLayout xmlns:a="http://schemas.openxmlformats.org/drawingml/2006/main" xmlns:r="http://schemas.openxmlformats.org/officeDocument/2006/relationships" xmlns:p="http://schemas.openxmlformats.org/presentationml/2006/main" type="vertTx" preserve="1">
+<p:sldLayout xmlns:a="http://schemas.openxmlformats.org/drawingml/2006/main" xmlns:r="http://schemas.openxmlformats.org/officeDocument/2006/relationships" xmlns:p="http://schemas.openxmlformats.org/presentationml/2006/main" showMasterSp="0" type="vertTx" preserve="1">
   <p:cSld name="Title and Vertical Text">
     <p:spTree>
       <p:nvGrpSpPr>
@@ -613,7 +604,7 @@
           <a:p>
             <a:fld id="{D27BA6A1-96CB-4166-833F-B39C600C0A9F}" type="datetimeFigureOut">
               <a:rPr lang="en-US" smtClean="0"/>
-              <a:t>5/15/2017</a:t>
+              <a:t>5/27/2018</a:t>
             </a:fld>
             <a:endParaRPr lang="en-US"/>
           </a:p>
@@ -884,7 +875,7 @@
           <a:p>
             <a:fld id="{D27BA6A1-96CB-4166-833F-B39C600C0A9F}" type="datetimeFigureOut">
               <a:rPr lang="en-US" smtClean="0"/>
-              <a:t>5/15/2017</a:t>
+              <a:t>5/27/2018</a:t>
             </a:fld>
             <a:endParaRPr lang="en-US"/>
           </a:p>
@@ -946,7 +937,7 @@
 </file>
 
 <file path=ppt/slideLayouts/slideLayout2.xml><?xml version="1.0" encoding="utf-8"?>
-<p:sldLayout xmlns:a="http://schemas.openxmlformats.org/drawingml/2006/main" xmlns:r="http://schemas.openxmlformats.org/officeDocument/2006/relationships" xmlns:p="http://schemas.openxmlformats.org/presentationml/2006/main" type="obj" preserve="1">
+<p:sldLayout xmlns:a="http://schemas.openxmlformats.org/drawingml/2006/main" xmlns:r="http://schemas.openxmlformats.org/officeDocument/2006/relationships" xmlns:p="http://schemas.openxmlformats.org/presentationml/2006/main" showMasterSp="0" type="obj" preserve="1">
   <p:cSld name="Title and Content">
     <p:spTree>
       <p:nvGrpSpPr>
@@ -1058,7 +1049,7 @@
           <a:p>
             <a:fld id="{D27BA6A1-96CB-4166-833F-B39C600C0A9F}" type="datetimeFigureOut">
               <a:rPr lang="en-US" smtClean="0"/>
-              <a:t>5/15/2017</a:t>
+              <a:t>5/27/2018</a:t>
             </a:fld>
             <a:endParaRPr lang="en-US"/>
           </a:p>
@@ -1117,11 +1108,6 @@
 <file path=ppt/slideLayouts/slideLayout3.xml><?xml version="1.0" encoding="utf-8"?>
 <p:sldLayout xmlns:a="http://schemas.openxmlformats.org/drawingml/2006/main" xmlns:r="http://schemas.openxmlformats.org/officeDocument/2006/relationships" xmlns:p="http://schemas.openxmlformats.org/presentationml/2006/main" showMasterSp="0" type="secHead" preserve="1">
   <p:cSld name="Section Header">
-    <p:bg>
-      <p:bgRef idx="1002">
-        <a:schemeClr val="bg2"/>
-      </p:bgRef>
-    </p:bg>
     <p:spTree>
       <p:nvGrpSpPr>
         <p:cNvPr id="1" name=""/>
@@ -1411,7 +1397,7 @@
           <a:p>
             <a:fld id="{D27BA6A1-96CB-4166-833F-B39C600C0A9F}" type="datetimeFigureOut">
               <a:rPr lang="en-US" smtClean="0"/>
-              <a:t>5/15/2017</a:t>
+              <a:t>5/27/2018</a:t>
             </a:fld>
             <a:endParaRPr lang="en-US"/>
           </a:p>
@@ -1468,7 +1454,7 @@
 </file>
 
 <file path=ppt/slideLayouts/slideLayout4.xml><?xml version="1.0" encoding="utf-8"?>
-<p:sldLayout xmlns:a="http://schemas.openxmlformats.org/drawingml/2006/main" xmlns:r="http://schemas.openxmlformats.org/officeDocument/2006/relationships" xmlns:p="http://schemas.openxmlformats.org/presentationml/2006/main" type="twoObj" preserve="1">
+<p:sldLayout xmlns:a="http://schemas.openxmlformats.org/drawingml/2006/main" xmlns:r="http://schemas.openxmlformats.org/officeDocument/2006/relationships" xmlns:p="http://schemas.openxmlformats.org/presentationml/2006/main" showMasterSp="0" type="twoObj" preserve="1">
   <p:cSld name="Two Content">
     <p:spTree>
       <p:nvGrpSpPr>
@@ -1695,7 +1681,7 @@
           <a:p>
             <a:fld id="{D27BA6A1-96CB-4166-833F-B39C600C0A9F}" type="datetimeFigureOut">
               <a:rPr lang="en-US" smtClean="0"/>
-              <a:t>5/15/2017</a:t>
+              <a:t>5/27/2018</a:t>
             </a:fld>
             <a:endParaRPr lang="en-US"/>
           </a:p>
@@ -1752,7 +1738,7 @@
 </file>
 
 <file path=ppt/slideLayouts/slideLayout5.xml><?xml version="1.0" encoding="utf-8"?>
-<p:sldLayout xmlns:a="http://schemas.openxmlformats.org/drawingml/2006/main" xmlns:r="http://schemas.openxmlformats.org/officeDocument/2006/relationships" xmlns:p="http://schemas.openxmlformats.org/presentationml/2006/main" type="twoTxTwoObj" preserve="1">
+<p:sldLayout xmlns:a="http://schemas.openxmlformats.org/drawingml/2006/main" xmlns:r="http://schemas.openxmlformats.org/officeDocument/2006/relationships" xmlns:p="http://schemas.openxmlformats.org/presentationml/2006/main" showMasterSp="0" type="twoTxTwoObj" preserve="1">
   <p:cSld name="Comparison">
     <p:spTree>
       <p:nvGrpSpPr>
@@ -2116,7 +2102,7 @@
           <a:p>
             <a:fld id="{D27BA6A1-96CB-4166-833F-B39C600C0A9F}" type="datetimeFigureOut">
               <a:rPr lang="en-US" smtClean="0"/>
-              <a:t>5/15/2017</a:t>
+              <a:t>5/27/2018</a:t>
             </a:fld>
             <a:endParaRPr lang="en-US"/>
           </a:p>
@@ -2173,7 +2159,7 @@
 </file>
 
 <file path=ppt/slideLayouts/slideLayout6.xml><?xml version="1.0" encoding="utf-8"?>
-<p:sldLayout xmlns:a="http://schemas.openxmlformats.org/drawingml/2006/main" xmlns:r="http://schemas.openxmlformats.org/officeDocument/2006/relationships" xmlns:p="http://schemas.openxmlformats.org/presentationml/2006/main" type="titleOnly" preserve="1">
+<p:sldLayout xmlns:a="http://schemas.openxmlformats.org/drawingml/2006/main" xmlns:r="http://schemas.openxmlformats.org/officeDocument/2006/relationships" xmlns:p="http://schemas.openxmlformats.org/presentationml/2006/main" showMasterSp="0" type="titleOnly" preserve="1">
   <p:cSld name="Title Only">
     <p:spTree>
       <p:nvGrpSpPr>
@@ -2228,7 +2214,7 @@
           <a:p>
             <a:fld id="{D27BA6A1-96CB-4166-833F-B39C600C0A9F}" type="datetimeFigureOut">
               <a:rPr lang="en-US" smtClean="0"/>
-              <a:t>5/15/2017</a:t>
+              <a:t>5/27/2018</a:t>
             </a:fld>
             <a:endParaRPr lang="en-US"/>
           </a:p>
@@ -2318,7 +2304,7 @@
           <a:p>
             <a:fld id="{D27BA6A1-96CB-4166-833F-B39C600C0A9F}" type="datetimeFigureOut">
               <a:rPr lang="en-US" smtClean="0"/>
-              <a:t>5/15/2017</a:t>
+              <a:t>5/27/2018</a:t>
             </a:fld>
             <a:endParaRPr lang="en-US"/>
           </a:p>
@@ -2375,7 +2361,7 @@
 </file>
 
 <file path=ppt/slideLayouts/slideLayout8.xml><?xml version="1.0" encoding="utf-8"?>
-<p:sldLayout xmlns:a="http://schemas.openxmlformats.org/drawingml/2006/main" xmlns:r="http://schemas.openxmlformats.org/officeDocument/2006/relationships" xmlns:p="http://schemas.openxmlformats.org/presentationml/2006/main" type="objTx" preserve="1">
+<p:sldLayout xmlns:a="http://schemas.openxmlformats.org/drawingml/2006/main" xmlns:r="http://schemas.openxmlformats.org/officeDocument/2006/relationships" xmlns:p="http://schemas.openxmlformats.org/presentationml/2006/main" showMasterSp="0" type="objTx" preserve="1">
   <p:cSld name="Content with Caption">
     <p:spTree>
       <p:nvGrpSpPr>
@@ -2595,7 +2581,7 @@
           <a:p>
             <a:fld id="{D27BA6A1-96CB-4166-833F-B39C600C0A9F}" type="datetimeFigureOut">
               <a:rPr lang="en-US" smtClean="0"/>
-              <a:t>5/15/2017</a:t>
+              <a:t>5/27/2018</a:t>
             </a:fld>
             <a:endParaRPr lang="en-US"/>
           </a:p>
@@ -2742,13 +2728,8 @@
 </file>
 
 <file path=ppt/slideLayouts/slideLayout9.xml><?xml version="1.0" encoding="utf-8"?>
-<p:sldLayout xmlns:a="http://schemas.openxmlformats.org/drawingml/2006/main" xmlns:r="http://schemas.openxmlformats.org/officeDocument/2006/relationships" xmlns:p="http://schemas.openxmlformats.org/presentationml/2006/main" type="picTx" preserve="1">
+<p:sldLayout xmlns:a="http://schemas.openxmlformats.org/drawingml/2006/main" xmlns:r="http://schemas.openxmlformats.org/officeDocument/2006/relationships" xmlns:p="http://schemas.openxmlformats.org/presentationml/2006/main" showMasterSp="0" type="picTx" preserve="1">
   <p:cSld name="Picture with Caption">
-    <p:bg>
-      <p:bgRef idx="1001">
-        <a:schemeClr val="bg2"/>
-      </p:bgRef>
-    </p:bg>
     <p:spTree>
       <p:nvGrpSpPr>
         <p:cNvPr id="1" name=""/>
@@ -2956,7 +2937,7 @@
           <a:p>
             <a:fld id="{D27BA6A1-96CB-4166-833F-B39C600C0A9F}" type="datetimeFigureOut">
               <a:rPr lang="en-US" smtClean="0"/>
-              <a:t>5/15/2017</a:t>
+              <a:t>5/27/2018</a:t>
             </a:fld>
             <a:endParaRPr lang="en-US"/>
           </a:p>
@@ -3126,9 +3107,19 @@
 <p:sldMaster xmlns:a="http://schemas.openxmlformats.org/drawingml/2006/main" xmlns:r="http://schemas.openxmlformats.org/officeDocument/2006/relationships" xmlns:p="http://schemas.openxmlformats.org/presentationml/2006/main">
   <p:cSld>
     <p:bg>
-      <p:bgRef idx="1001">
-        <a:schemeClr val="bg1"/>
-      </p:bgRef>
+      <p:bgPr>
+        <a:blipFill dpi="0" rotWithShape="1">
+          <a:blip r:embed="rId13">
+            <a:alphaModFix amt="26000"/>
+            <a:lum/>
+          </a:blip>
+          <a:srcRect/>
+          <a:stretch>
+            <a:fillRect/>
+          </a:stretch>
+        </a:blipFill>
+        <a:effectLst/>
+      </p:bgPr>
     </p:bg>
     <p:spTree>
       <p:nvGrpSpPr>
@@ -3379,7 +3370,7 @@
           <a:p>
             <a:fld id="{D27BA6A1-96CB-4166-833F-B39C600C0A9F}" type="datetimeFigureOut">
               <a:rPr lang="en-US" smtClean="0"/>
-              <a:t>5/15/2017</a:t>
+              <a:t>5/27/2018</a:t>
             </a:fld>
             <a:endParaRPr lang="en-US"/>
           </a:p>
@@ -3769,7 +3760,7 @@
 </file>
 
 <file path=ppt/slides/slide1.xml><?xml version="1.0" encoding="utf-8"?>
-<p:sld xmlns:a="http://schemas.openxmlformats.org/drawingml/2006/main" xmlns:r="http://schemas.openxmlformats.org/officeDocument/2006/relationships" xmlns:p="http://schemas.openxmlformats.org/presentationml/2006/main">
+<p:sld xmlns:a="http://schemas.openxmlformats.org/drawingml/2006/main" xmlns:r="http://schemas.openxmlformats.org/officeDocument/2006/relationships" xmlns:p="http://schemas.openxmlformats.org/presentationml/2006/main" showMasterSp="0">
   <p:cSld>
     <p:spTree>
       <p:nvGrpSpPr>
@@ -3950,7 +3941,7 @@
 </file>
 
 <file path=ppt/slides/slide10.xml><?xml version="1.0" encoding="utf-8"?>
-<p:sld xmlns:a="http://schemas.openxmlformats.org/drawingml/2006/main" xmlns:r="http://schemas.openxmlformats.org/officeDocument/2006/relationships" xmlns:p="http://schemas.openxmlformats.org/presentationml/2006/main">
+<p:sld xmlns:a="http://schemas.openxmlformats.org/drawingml/2006/main" xmlns:r="http://schemas.openxmlformats.org/officeDocument/2006/relationships" xmlns:p="http://schemas.openxmlformats.org/presentationml/2006/main" showMasterSp="0">
   <p:cSld>
     <p:spTree>
       <p:nvGrpSpPr>
@@ -4366,7 +4357,7 @@
 </file>
 
 <file path=ppt/slides/slide11.xml><?xml version="1.0" encoding="utf-8"?>
-<p:sld xmlns:a="http://schemas.openxmlformats.org/drawingml/2006/main" xmlns:r="http://schemas.openxmlformats.org/officeDocument/2006/relationships" xmlns:p="http://schemas.openxmlformats.org/presentationml/2006/main">
+<p:sld xmlns:a="http://schemas.openxmlformats.org/drawingml/2006/main" xmlns:r="http://schemas.openxmlformats.org/officeDocument/2006/relationships" xmlns:p="http://schemas.openxmlformats.org/presentationml/2006/main" showMasterSp="0">
   <p:cSld>
     <p:spTree>
       <p:nvGrpSpPr>
@@ -4619,7 +4610,7 @@
 </file>
 
 <file path=ppt/slides/slide12.xml><?xml version="1.0" encoding="utf-8"?>
-<p:sld xmlns:a="http://schemas.openxmlformats.org/drawingml/2006/main" xmlns:r="http://schemas.openxmlformats.org/officeDocument/2006/relationships" xmlns:p="http://schemas.openxmlformats.org/presentationml/2006/main">
+<p:sld xmlns:a="http://schemas.openxmlformats.org/drawingml/2006/main" xmlns:r="http://schemas.openxmlformats.org/officeDocument/2006/relationships" xmlns:p="http://schemas.openxmlformats.org/presentationml/2006/main" showMasterSp="0">
   <p:cSld>
     <p:spTree>
       <p:nvGrpSpPr>
@@ -5053,7 +5044,7 @@
 </file>
 
 <file path=ppt/slides/slide13.xml><?xml version="1.0" encoding="utf-8"?>
-<p:sld xmlns:a="http://schemas.openxmlformats.org/drawingml/2006/main" xmlns:r="http://schemas.openxmlformats.org/officeDocument/2006/relationships" xmlns:p="http://schemas.openxmlformats.org/presentationml/2006/main">
+<p:sld xmlns:a="http://schemas.openxmlformats.org/drawingml/2006/main" xmlns:r="http://schemas.openxmlformats.org/officeDocument/2006/relationships" xmlns:p="http://schemas.openxmlformats.org/presentationml/2006/main" showMasterSp="0">
   <p:cSld>
     <p:spTree>
       <p:nvGrpSpPr>
@@ -5284,7 +5275,7 @@
 </file>
 
 <file path=ppt/slides/slide14.xml><?xml version="1.0" encoding="utf-8"?>
-<p:sld xmlns:a="http://schemas.openxmlformats.org/drawingml/2006/main" xmlns:r="http://schemas.openxmlformats.org/officeDocument/2006/relationships" xmlns:p="http://schemas.openxmlformats.org/presentationml/2006/main">
+<p:sld xmlns:a="http://schemas.openxmlformats.org/drawingml/2006/main" xmlns:r="http://schemas.openxmlformats.org/officeDocument/2006/relationships" xmlns:p="http://schemas.openxmlformats.org/presentationml/2006/main" showMasterSp="0">
   <p:cSld>
     <p:spTree>
       <p:nvGrpSpPr>
@@ -5413,7 +5404,7 @@
 </file>
 
 <file path=ppt/slides/slide15.xml><?xml version="1.0" encoding="utf-8"?>
-<p:sld xmlns:a="http://schemas.openxmlformats.org/drawingml/2006/main" xmlns:r="http://schemas.openxmlformats.org/officeDocument/2006/relationships" xmlns:p="http://schemas.openxmlformats.org/presentationml/2006/main">
+<p:sld xmlns:a="http://schemas.openxmlformats.org/drawingml/2006/main" xmlns:r="http://schemas.openxmlformats.org/officeDocument/2006/relationships" xmlns:p="http://schemas.openxmlformats.org/presentationml/2006/main" showMasterSp="0">
   <p:cSld>
     <p:spTree>
       <p:nvGrpSpPr>
@@ -5743,7 +5734,7 @@
 </file>
 
 <file path=ppt/slides/slide16.xml><?xml version="1.0" encoding="utf-8"?>
-<p:sld xmlns:a="http://schemas.openxmlformats.org/drawingml/2006/main" xmlns:r="http://schemas.openxmlformats.org/officeDocument/2006/relationships" xmlns:p="http://schemas.openxmlformats.org/presentationml/2006/main">
+<p:sld xmlns:a="http://schemas.openxmlformats.org/drawingml/2006/main" xmlns:r="http://schemas.openxmlformats.org/officeDocument/2006/relationships" xmlns:p="http://schemas.openxmlformats.org/presentationml/2006/main" showMasterSp="0">
   <p:cSld>
     <p:spTree>
       <p:nvGrpSpPr>
@@ -6253,7 +6244,7 @@
 </file>
 
 <file path=ppt/slides/slide17.xml><?xml version="1.0" encoding="utf-8"?>
-<p:sld xmlns:a="http://schemas.openxmlformats.org/drawingml/2006/main" xmlns:r="http://schemas.openxmlformats.org/officeDocument/2006/relationships" xmlns:p="http://schemas.openxmlformats.org/presentationml/2006/main">
+<p:sld xmlns:a="http://schemas.openxmlformats.org/drawingml/2006/main" xmlns:r="http://schemas.openxmlformats.org/officeDocument/2006/relationships" xmlns:p="http://schemas.openxmlformats.org/presentationml/2006/main" showMasterSp="0">
   <p:cSld>
     <p:spTree>
       <p:nvGrpSpPr>
@@ -6416,7 +6407,7 @@
 </file>
 
 <file path=ppt/slides/slide18.xml><?xml version="1.0" encoding="utf-8"?>
-<p:sld xmlns:a="http://schemas.openxmlformats.org/drawingml/2006/main" xmlns:r="http://schemas.openxmlformats.org/officeDocument/2006/relationships" xmlns:p="http://schemas.openxmlformats.org/presentationml/2006/main">
+<p:sld xmlns:a="http://schemas.openxmlformats.org/drawingml/2006/main" xmlns:r="http://schemas.openxmlformats.org/officeDocument/2006/relationships" xmlns:p="http://schemas.openxmlformats.org/presentationml/2006/main" showMasterSp="0">
   <p:cSld>
     <p:spTree>
       <p:nvGrpSpPr>
@@ -6686,7 +6677,7 @@
 </file>
 
 <file path=ppt/slides/slide19.xml><?xml version="1.0" encoding="utf-8"?>
-<p:sld xmlns:a="http://schemas.openxmlformats.org/drawingml/2006/main" xmlns:r="http://schemas.openxmlformats.org/officeDocument/2006/relationships" xmlns:p="http://schemas.openxmlformats.org/presentationml/2006/main">
+<p:sld xmlns:a="http://schemas.openxmlformats.org/drawingml/2006/main" xmlns:r="http://schemas.openxmlformats.org/officeDocument/2006/relationships" xmlns:p="http://schemas.openxmlformats.org/presentationml/2006/main" showMasterSp="0">
   <p:cSld>
     <p:spTree>
       <p:nvGrpSpPr>
@@ -6798,7 +6789,7 @@
 </file>
 
 <file path=ppt/slides/slide2.xml><?xml version="1.0" encoding="utf-8"?>
-<p:sld xmlns:a="http://schemas.openxmlformats.org/drawingml/2006/main" xmlns:r="http://schemas.openxmlformats.org/officeDocument/2006/relationships" xmlns:p="http://schemas.openxmlformats.org/presentationml/2006/main">
+<p:sld xmlns:a="http://schemas.openxmlformats.org/drawingml/2006/main" xmlns:r="http://schemas.openxmlformats.org/officeDocument/2006/relationships" xmlns:p="http://schemas.openxmlformats.org/presentationml/2006/main" showMasterSp="0">
   <p:cSld>
     <p:spTree>
       <p:nvGrpSpPr>
@@ -7977,7 +7968,7 @@
 </file>
 
 <file path=ppt/slides/slide20.xml><?xml version="1.0" encoding="utf-8"?>
-<p:sld xmlns:a="http://schemas.openxmlformats.org/drawingml/2006/main" xmlns:r="http://schemas.openxmlformats.org/officeDocument/2006/relationships" xmlns:p="http://schemas.openxmlformats.org/presentationml/2006/main">
+<p:sld xmlns:a="http://schemas.openxmlformats.org/drawingml/2006/main" xmlns:r="http://schemas.openxmlformats.org/officeDocument/2006/relationships" xmlns:p="http://schemas.openxmlformats.org/presentationml/2006/main" showMasterSp="0">
   <p:cSld>
     <p:spTree>
       <p:nvGrpSpPr>
@@ -8061,7 +8052,7 @@
 </file>
 
 <file path=ppt/slides/slide21.xml><?xml version="1.0" encoding="utf-8"?>
-<p:sld xmlns:a="http://schemas.openxmlformats.org/drawingml/2006/main" xmlns:r="http://schemas.openxmlformats.org/officeDocument/2006/relationships" xmlns:p="http://schemas.openxmlformats.org/presentationml/2006/main">
+<p:sld xmlns:a="http://schemas.openxmlformats.org/drawingml/2006/main" xmlns:r="http://schemas.openxmlformats.org/officeDocument/2006/relationships" xmlns:p="http://schemas.openxmlformats.org/presentationml/2006/main" showMasterSp="0">
   <p:cSld>
     <p:spTree>
       <p:nvGrpSpPr>
@@ -8157,7 +8148,7 @@
 </file>
 
 <file path=ppt/slides/slide3.xml><?xml version="1.0" encoding="utf-8"?>
-<p:sld xmlns:a="http://schemas.openxmlformats.org/drawingml/2006/main" xmlns:r="http://schemas.openxmlformats.org/officeDocument/2006/relationships" xmlns:p="http://schemas.openxmlformats.org/presentationml/2006/main">
+<p:sld xmlns:a="http://schemas.openxmlformats.org/drawingml/2006/main" xmlns:r="http://schemas.openxmlformats.org/officeDocument/2006/relationships" xmlns:p="http://schemas.openxmlformats.org/presentationml/2006/main" showMasterSp="0">
   <p:cSld>
     <p:spTree>
       <p:nvGrpSpPr>
@@ -8366,7 +8357,7 @@
 </file>
 
 <file path=ppt/slides/slide4.xml><?xml version="1.0" encoding="utf-8"?>
-<p:sld xmlns:a="http://schemas.openxmlformats.org/drawingml/2006/main" xmlns:r="http://schemas.openxmlformats.org/officeDocument/2006/relationships" xmlns:p="http://schemas.openxmlformats.org/presentationml/2006/main">
+<p:sld xmlns:a="http://schemas.openxmlformats.org/drawingml/2006/main" xmlns:r="http://schemas.openxmlformats.org/officeDocument/2006/relationships" xmlns:p="http://schemas.openxmlformats.org/presentationml/2006/main" showMasterSp="0">
   <p:cSld>
     <p:spTree>
       <p:nvGrpSpPr>
@@ -9447,7 +9438,7 @@
 </file>
 
 <file path=ppt/slides/slide5.xml><?xml version="1.0" encoding="utf-8"?>
-<p:sld xmlns:a="http://schemas.openxmlformats.org/drawingml/2006/main" xmlns:r="http://schemas.openxmlformats.org/officeDocument/2006/relationships" xmlns:p="http://schemas.openxmlformats.org/presentationml/2006/main">
+<p:sld xmlns:a="http://schemas.openxmlformats.org/drawingml/2006/main" xmlns:r="http://schemas.openxmlformats.org/officeDocument/2006/relationships" xmlns:p="http://schemas.openxmlformats.org/presentationml/2006/main" showMasterSp="0">
   <p:cSld>
     <p:spTree>
       <p:nvGrpSpPr>
@@ -9942,7 +9933,7 @@
 </file>
 
 <file path=ppt/slides/slide6.xml><?xml version="1.0" encoding="utf-8"?>
-<p:sld xmlns:a="http://schemas.openxmlformats.org/drawingml/2006/main" xmlns:r="http://schemas.openxmlformats.org/officeDocument/2006/relationships" xmlns:p="http://schemas.openxmlformats.org/presentationml/2006/main">
+<p:sld xmlns:a="http://schemas.openxmlformats.org/drawingml/2006/main" xmlns:r="http://schemas.openxmlformats.org/officeDocument/2006/relationships" xmlns:p="http://schemas.openxmlformats.org/presentationml/2006/main" showMasterSp="0">
   <p:cSld>
     <p:spTree>
       <p:nvGrpSpPr>
@@ -10263,7 +10254,7 @@
 </file>
 
 <file path=ppt/slides/slide7.xml><?xml version="1.0" encoding="utf-8"?>
-<p:sld xmlns:a="http://schemas.openxmlformats.org/drawingml/2006/main" xmlns:r="http://schemas.openxmlformats.org/officeDocument/2006/relationships" xmlns:p="http://schemas.openxmlformats.org/presentationml/2006/main">
+<p:sld xmlns:a="http://schemas.openxmlformats.org/drawingml/2006/main" xmlns:r="http://schemas.openxmlformats.org/officeDocument/2006/relationships" xmlns:p="http://schemas.openxmlformats.org/presentationml/2006/main" showMasterSp="0">
   <p:cSld>
     <p:spTree>
       <p:nvGrpSpPr>
@@ -10673,7 +10664,7 @@
 </file>
 
 <file path=ppt/slides/slide8.xml><?xml version="1.0" encoding="utf-8"?>
-<p:sld xmlns:a="http://schemas.openxmlformats.org/drawingml/2006/main" xmlns:r="http://schemas.openxmlformats.org/officeDocument/2006/relationships" xmlns:p="http://schemas.openxmlformats.org/presentationml/2006/main">
+<p:sld xmlns:a="http://schemas.openxmlformats.org/drawingml/2006/main" xmlns:r="http://schemas.openxmlformats.org/officeDocument/2006/relationships" xmlns:p="http://schemas.openxmlformats.org/presentationml/2006/main" showMasterSp="0">
   <p:cSld>
     <p:spTree>
       <p:nvGrpSpPr>
@@ -10774,7 +10765,7 @@
 </file>
 
 <file path=ppt/slides/slide9.xml><?xml version="1.0" encoding="utf-8"?>
-<p:sld xmlns:a="http://schemas.openxmlformats.org/drawingml/2006/main" xmlns:r="http://schemas.openxmlformats.org/officeDocument/2006/relationships" xmlns:p="http://schemas.openxmlformats.org/presentationml/2006/main">
+<p:sld xmlns:a="http://schemas.openxmlformats.org/drawingml/2006/main" xmlns:r="http://schemas.openxmlformats.org/officeDocument/2006/relationships" xmlns:p="http://schemas.openxmlformats.org/presentationml/2006/main" showMasterSp="0">
   <p:cSld>
     <p:spTree>
       <p:nvGrpSpPr>
